--- a/webcourse_security/lecture/Lecture9.pptx
+++ b/webcourse_security/lecture/Lecture9.pptx
@@ -5,10 +5,10 @@
     <p:sldMasterId id="2147483719" r:id="rId1"/>
   </p:sldMasterIdLst>
   <p:notesMasterIdLst>
-    <p:notesMasterId r:id="rId36"/>
+    <p:notesMasterId r:id="rId37"/>
   </p:notesMasterIdLst>
   <p:handoutMasterIdLst>
-    <p:handoutMasterId r:id="rId37"/>
+    <p:handoutMasterId r:id="rId38"/>
   </p:handoutMasterIdLst>
   <p:sldIdLst>
     <p:sldId id="275" r:id="rId2"/>
@@ -44,7 +44,8 @@
     <p:sldId id="376" r:id="rId32"/>
     <p:sldId id="377" r:id="rId33"/>
     <p:sldId id="378" r:id="rId34"/>
-    <p:sldId id="347" r:id="rId35"/>
+    <p:sldId id="379" r:id="rId35"/>
+    <p:sldId id="347" r:id="rId36"/>
   </p:sldIdLst>
   <p:sldSz cx="12192000" cy="6858000"/>
   <p:notesSz cx="6858000" cy="9144000"/>
@@ -233,7 +234,7 @@
           <a:p>
             <a:fld id="{C4E6DD05-F287-4CF1-AA8B-235E9571F619}" type="datetimeFigureOut">
               <a:rPr lang="zh-CN" altLang="en-US" smtClean="0"/>
-              <a:t>2016/5/22</a:t>
+              <a:t>2016/5/25</a:t>
             </a:fld>
             <a:endParaRPr lang="zh-CN" altLang="en-US"/>
           </a:p>
@@ -399,7 +400,7 @@
           <a:p>
             <a:fld id="{C3F637B8-6CFC-40D3-B47E-FF2FFF8BE109}" type="datetimeFigureOut">
               <a:rPr lang="zh-CN" altLang="en-US" smtClean="0"/>
-              <a:t>2016/5/22</a:t>
+              <a:t>2016/5/25</a:t>
             </a:fld>
             <a:endParaRPr lang="zh-CN" altLang="en-US"/>
           </a:p>
@@ -1298,6 +1299,103 @@
     <p:extLst>
       <p:ext uri="{BB962C8B-B14F-4D97-AF65-F5344CB8AC3E}">
         <p14:creationId xmlns:p14="http://schemas.microsoft.com/office/powerpoint/2010/main" val="280302014"/>
+      </p:ext>
+    </p:extLst>
+  </p:cSld>
+  <p:clrMapOvr>
+    <a:masterClrMapping/>
+  </p:clrMapOvr>
+</p:notes>
+</file>
+
+<file path=ppt/notesSlides/notesSlide14.xml><?xml version="1.0" encoding="utf-8"?>
+<p:notes xmlns:a="http://schemas.openxmlformats.org/drawingml/2006/main" xmlns:r="http://schemas.openxmlformats.org/officeDocument/2006/relationships" xmlns:p="http://schemas.openxmlformats.org/presentationml/2006/main">
+  <p:cSld>
+    <p:spTree>
+      <p:nvGrpSpPr>
+        <p:cNvPr id="1" name=""/>
+        <p:cNvGrpSpPr/>
+        <p:nvPr/>
+      </p:nvGrpSpPr>
+      <p:grpSpPr>
+        <a:xfrm>
+          <a:off x="0" y="0"/>
+          <a:ext cx="0" cy="0"/>
+          <a:chOff x="0" y="0"/>
+          <a:chExt cx="0" cy="0"/>
+        </a:xfrm>
+      </p:grpSpPr>
+      <p:sp>
+        <p:nvSpPr>
+          <p:cNvPr id="2" name="Slide Image Placeholder 1"/>
+          <p:cNvSpPr>
+            <a:spLocks noGrp="1" noRot="1" noChangeAspect="1"/>
+          </p:cNvSpPr>
+          <p:nvPr>
+            <p:ph type="sldImg"/>
+          </p:nvPr>
+        </p:nvSpPr>
+        <p:spPr/>
+      </p:sp>
+      <p:sp>
+        <p:nvSpPr>
+          <p:cNvPr id="3" name="Notes Placeholder 2"/>
+          <p:cNvSpPr>
+            <a:spLocks noGrp="1"/>
+          </p:cNvSpPr>
+          <p:nvPr>
+            <p:ph type="body" idx="1"/>
+          </p:nvPr>
+        </p:nvSpPr>
+        <p:spPr/>
+        <p:txBody>
+          <a:bodyPr/>
+          <a:lstStyle/>
+          <a:p>
+            <a:r>
+              <a:rPr lang="en-US" dirty="0" smtClean="0"/>
+              <a:t>MS’01:   </a:t>
+            </a:r>
+            <a:r>
+              <a:rPr lang="en-US" dirty="0" err="1" smtClean="0"/>
+              <a:t>Mantin</a:t>
+            </a:r>
+            <a:r>
+              <a:rPr lang="en-US" dirty="0" smtClean="0"/>
+              <a:t>-Shamir</a:t>
+            </a:r>
+            <a:endParaRPr lang="en-US" dirty="0"/>
+          </a:p>
+        </p:txBody>
+      </p:sp>
+      <p:sp>
+        <p:nvSpPr>
+          <p:cNvPr id="4" name="Slide Number Placeholder 3"/>
+          <p:cNvSpPr>
+            <a:spLocks noGrp="1"/>
+          </p:cNvSpPr>
+          <p:nvPr>
+            <p:ph type="sldNum" sz="quarter" idx="10"/>
+          </p:nvPr>
+        </p:nvSpPr>
+        <p:spPr/>
+        <p:txBody>
+          <a:bodyPr/>
+          <a:lstStyle/>
+          <a:p>
+            <a:fld id="{8FF38DAD-5F37-4EA5-A798-26ED1E453939}" type="slidenum">
+              <a:rPr lang="en-US" smtClean="0"/>
+              <a:pPr/>
+              <a:t>34</a:t>
+            </a:fld>
+            <a:endParaRPr lang="en-US" dirty="0"/>
+          </a:p>
+        </p:txBody>
+      </p:sp>
+    </p:spTree>
+    <p:extLst>
+      <p:ext uri="{BB962C8B-B14F-4D97-AF65-F5344CB8AC3E}">
+        <p14:creationId xmlns:p14="http://schemas.microsoft.com/office/powerpoint/2010/main" val="209303258"/>
       </p:ext>
     </p:extLst>
   </p:cSld>
@@ -23895,6 +23993,255 @@
 </file>
 
 <file path=ppt/slides/slide34.xml><?xml version="1.0" encoding="utf-8"?>
+<p:sld xmlns:a="http://schemas.openxmlformats.org/drawingml/2006/main" xmlns:r="http://schemas.openxmlformats.org/officeDocument/2006/relationships" xmlns:p="http://schemas.openxmlformats.org/presentationml/2006/main" show="0">
+  <p:cSld>
+    <p:spTree>
+      <p:nvGrpSpPr>
+        <p:cNvPr id="1" name=""/>
+        <p:cNvGrpSpPr/>
+        <p:nvPr/>
+      </p:nvGrpSpPr>
+      <p:grpSpPr>
+        <a:xfrm>
+          <a:off x="0" y="0"/>
+          <a:ext cx="0" cy="0"/>
+          <a:chOff x="0" y="0"/>
+          <a:chExt cx="0" cy="0"/>
+        </a:xfrm>
+      </p:grpSpPr>
+      <p:sp>
+        <p:nvSpPr>
+          <p:cNvPr id="2" name="Title 1"/>
+          <p:cNvSpPr>
+            <a:spLocks noGrp="1"/>
+          </p:cNvSpPr>
+          <p:nvPr>
+            <p:ph type="title"/>
+          </p:nvPr>
+        </p:nvSpPr>
+        <p:spPr>
+          <a:xfrm>
+            <a:off x="609600" y="-228600"/>
+            <a:ext cx="11480800" cy="1143000"/>
+          </a:xfrm>
+        </p:spPr>
+        <p:txBody>
+          <a:bodyPr>
+            <a:normAutofit/>
+          </a:bodyPr>
+          <a:lstStyle/>
+          <a:p>
+            <a:r>
+              <a:rPr lang="en-US" altLang="zh-CN" dirty="0"/>
+              <a:t>The </a:t>
+            </a:r>
+            <a:r>
+              <a:rPr lang="en-US" altLang="zh-CN" dirty="0" err="1"/>
+              <a:t>Heartbleed</a:t>
+            </a:r>
+            <a:r>
+              <a:rPr lang="en-US" altLang="zh-CN" dirty="0"/>
+              <a:t> Bug</a:t>
+            </a:r>
+          </a:p>
+        </p:txBody>
+      </p:sp>
+      <p:sp>
+        <p:nvSpPr>
+          <p:cNvPr id="11" name="标题 1"/>
+          <p:cNvSpPr txBox="1">
+            <a:spLocks/>
+          </p:cNvSpPr>
+          <p:nvPr/>
+        </p:nvSpPr>
+        <p:spPr>
+          <a:xfrm>
+            <a:off x="0" y="6383547"/>
+            <a:ext cx="10274060" cy="474453"/>
+          </a:xfrm>
+          <a:prstGeom prst="rect">
+            <a:avLst/>
+          </a:prstGeom>
+          <a:solidFill>
+            <a:schemeClr val="accent5">
+              <a:lumMod val="60000"/>
+              <a:lumOff val="40000"/>
+            </a:schemeClr>
+          </a:solidFill>
+          <a:ln>
+            <a:solidFill>
+              <a:schemeClr val="accent1"/>
+            </a:solidFill>
+          </a:ln>
+        </p:spPr>
+        <p:txBody>
+          <a:bodyPr vert="horz" lIns="91440" tIns="45720" rIns="91440" bIns="45720" rtlCol="0" anchor="ctr">
+            <a:noAutofit/>
+          </a:bodyPr>
+          <a:lstStyle>
+            <a:lvl1pPr algn="l" defTabSz="914400" rtl="0" eaLnBrk="1" latinLnBrk="0" hangingPunct="1">
+              <a:lnSpc>
+                <a:spcPct val="90000"/>
+              </a:lnSpc>
+              <a:spcBef>
+                <a:spcPct val="0"/>
+              </a:spcBef>
+              <a:buNone/>
+              <a:defRPr sz="4400" kern="1200">
+                <a:solidFill>
+                  <a:schemeClr val="tx1"/>
+                </a:solidFill>
+                <a:latin typeface="+mj-lt"/>
+                <a:ea typeface="+mj-ea"/>
+                <a:cs typeface="+mj-cs"/>
+              </a:defRPr>
+            </a:lvl1pPr>
+          </a:lstStyle>
+          <a:p>
+            <a:r>
+              <a:rPr lang="en-US" altLang="zh-CN" sz="2400" b="1" dirty="0"/>
+              <a:t>HTTPS: goals and pitfalls</a:t>
+            </a:r>
+          </a:p>
+        </p:txBody>
+      </p:sp>
+      <p:sp>
+        <p:nvSpPr>
+          <p:cNvPr id="12" name="标题 1"/>
+          <p:cNvSpPr txBox="1">
+            <a:spLocks/>
+          </p:cNvSpPr>
+          <p:nvPr/>
+        </p:nvSpPr>
+        <p:spPr>
+          <a:xfrm>
+            <a:off x="10274060" y="6383547"/>
+            <a:ext cx="1917940" cy="474453"/>
+          </a:xfrm>
+          <a:prstGeom prst="rect">
+            <a:avLst/>
+          </a:prstGeom>
+          <a:noFill/>
+          <a:ln>
+            <a:solidFill>
+              <a:schemeClr val="accent1"/>
+            </a:solidFill>
+          </a:ln>
+        </p:spPr>
+        <p:txBody>
+          <a:bodyPr vert="horz" lIns="91440" tIns="45720" rIns="91440" bIns="45720" rtlCol="0" anchor="ctr">
+            <a:noAutofit/>
+          </a:bodyPr>
+          <a:lstStyle>
+            <a:lvl1pPr algn="l" defTabSz="914400" rtl="0" eaLnBrk="1" latinLnBrk="0" hangingPunct="1">
+              <a:lnSpc>
+                <a:spcPct val="90000"/>
+              </a:lnSpc>
+              <a:spcBef>
+                <a:spcPct val="0"/>
+              </a:spcBef>
+              <a:buNone/>
+              <a:defRPr sz="4400" kern="1200">
+                <a:solidFill>
+                  <a:schemeClr val="tx1"/>
+                </a:solidFill>
+                <a:latin typeface="+mj-lt"/>
+                <a:ea typeface="+mj-ea"/>
+                <a:cs typeface="+mj-cs"/>
+              </a:defRPr>
+            </a:lvl1pPr>
+          </a:lstStyle>
+          <a:p>
+            <a:endParaRPr lang="en-US" altLang="zh-CN" sz="2400" b="1" dirty="0"/>
+          </a:p>
+        </p:txBody>
+      </p:sp>
+      <p:sp>
+        <p:nvSpPr>
+          <p:cNvPr id="5" name="灯片编号占位符 4"/>
+          <p:cNvSpPr>
+            <a:spLocks noGrp="1"/>
+          </p:cNvSpPr>
+          <p:nvPr>
+            <p:ph type="sldNum" sz="quarter" idx="12"/>
+          </p:nvPr>
+        </p:nvSpPr>
+        <p:spPr/>
+        <p:txBody>
+          <a:bodyPr/>
+          <a:lstStyle/>
+          <a:p>
+            <a:fld id="{1FF18F41-E0A9-4F72-861C-BE4AABE77BA0}" type="slidenum">
+              <a:rPr lang="zh-CN" altLang="en-US" smtClean="0"/>
+              <a:t>34</a:t>
+            </a:fld>
+            <a:endParaRPr lang="zh-CN" altLang="en-US"/>
+          </a:p>
+        </p:txBody>
+      </p:sp>
+      <p:pic>
+        <p:nvPicPr>
+          <p:cNvPr id="1026" name="Picture 2" descr="https://upload.wikimedia.org/wikipedia/commons/thumb/1/11/Simplified_Heartbleed_explanation.svg/1024px-Simplified_Heartbleed_explanation.svg.png"/>
+          <p:cNvPicPr>
+            <a:picLocks noChangeAspect="1" noChangeArrowheads="1"/>
+          </p:cNvPicPr>
+          <p:nvPr/>
+        </p:nvPicPr>
+        <p:blipFill>
+          <a:blip r:embed="rId3">
+            <a:extLst>
+              <a:ext uri="{28A0092B-C50C-407E-A947-70E740481C1C}">
+                <a14:useLocalDpi xmlns:a14="http://schemas.microsoft.com/office/drawing/2010/main" val="0"/>
+              </a:ext>
+            </a:extLst>
+          </a:blip>
+          <a:srcRect/>
+          <a:stretch>
+            <a:fillRect/>
+          </a:stretch>
+        </p:blipFill>
+        <p:spPr bwMode="auto">
+          <a:xfrm>
+            <a:off x="2532841" y="740133"/>
+            <a:ext cx="5880639" cy="5880640"/>
+          </a:xfrm>
+          <a:prstGeom prst="rect">
+            <a:avLst/>
+          </a:prstGeom>
+          <a:noFill/>
+          <a:extLst>
+            <a:ext uri="{909E8E84-426E-40DD-AFC4-6F175D3DCCD1}">
+              <a14:hiddenFill xmlns:a14="http://schemas.microsoft.com/office/drawing/2010/main">
+                <a:solidFill>
+                  <a:srgbClr val="FFFFFF"/>
+                </a:solidFill>
+              </a14:hiddenFill>
+            </a:ext>
+          </a:extLst>
+        </p:spPr>
+      </p:pic>
+    </p:spTree>
+    <p:extLst>
+      <p:ext uri="{BB962C8B-B14F-4D97-AF65-F5344CB8AC3E}">
+        <p14:creationId xmlns:p14="http://schemas.microsoft.com/office/powerpoint/2010/main" val="953898172"/>
+      </p:ext>
+    </p:extLst>
+  </p:cSld>
+  <p:clrMapOvr>
+    <a:masterClrMapping/>
+  </p:clrMapOvr>
+  <p:transition/>
+  <p:timing>
+    <p:tnLst>
+      <p:par>
+        <p:cTn id="1" dur="indefinite" restart="never" nodeType="tmRoot"/>
+      </p:par>
+    </p:tnLst>
+  </p:timing>
+</p:sld>
+</file>
+
+<file path=ppt/slides/slide35.xml><?xml version="1.0" encoding="utf-8"?>
 <p:sld xmlns:a="http://schemas.openxmlformats.org/drawingml/2006/main" xmlns:r="http://schemas.openxmlformats.org/officeDocument/2006/relationships" xmlns:p="http://schemas.openxmlformats.org/presentationml/2006/main">
   <p:cSld>
     <p:spTree>
@@ -23955,7 +24302,7 @@
           <a:p>
             <a:fld id="{1FF18F41-E0A9-4F72-861C-BE4AABE77BA0}" type="slidenum">
               <a:rPr lang="zh-CN" altLang="en-US" smtClean="0"/>
-              <a:t>34</a:t>
+              <a:t>35</a:t>
             </a:fld>
             <a:endParaRPr lang="zh-CN" altLang="en-US"/>
           </a:p>

--- a/webcourse_security/lecture/Lecture9.pptx
+++ b/webcourse_security/lecture/Lecture9.pptx
@@ -5,10 +5,10 @@
     <p:sldMasterId id="2147483719" r:id="rId1"/>
   </p:sldMasterIdLst>
   <p:notesMasterIdLst>
-    <p:notesMasterId r:id="rId37"/>
+    <p:notesMasterId r:id="rId38"/>
   </p:notesMasterIdLst>
   <p:handoutMasterIdLst>
-    <p:handoutMasterId r:id="rId38"/>
+    <p:handoutMasterId r:id="rId39"/>
   </p:handoutMasterIdLst>
   <p:sldIdLst>
     <p:sldId id="275" r:id="rId2"/>
@@ -45,7 +45,8 @@
     <p:sldId id="377" r:id="rId33"/>
     <p:sldId id="378" r:id="rId34"/>
     <p:sldId id="379" r:id="rId35"/>
-    <p:sldId id="347" r:id="rId36"/>
+    <p:sldId id="380" r:id="rId36"/>
+    <p:sldId id="347" r:id="rId37"/>
   </p:sldIdLst>
   <p:sldSz cx="12192000" cy="6858000"/>
   <p:notesSz cx="6858000" cy="9144000"/>
@@ -1396,6 +1397,103 @@
     <p:extLst>
       <p:ext uri="{BB962C8B-B14F-4D97-AF65-F5344CB8AC3E}">
         <p14:creationId xmlns:p14="http://schemas.microsoft.com/office/powerpoint/2010/main" val="209303258"/>
+      </p:ext>
+    </p:extLst>
+  </p:cSld>
+  <p:clrMapOvr>
+    <a:masterClrMapping/>
+  </p:clrMapOvr>
+</p:notes>
+</file>
+
+<file path=ppt/notesSlides/notesSlide15.xml><?xml version="1.0" encoding="utf-8"?>
+<p:notes xmlns:a="http://schemas.openxmlformats.org/drawingml/2006/main" xmlns:r="http://schemas.openxmlformats.org/officeDocument/2006/relationships" xmlns:p="http://schemas.openxmlformats.org/presentationml/2006/main">
+  <p:cSld>
+    <p:spTree>
+      <p:nvGrpSpPr>
+        <p:cNvPr id="1" name=""/>
+        <p:cNvGrpSpPr/>
+        <p:nvPr/>
+      </p:nvGrpSpPr>
+      <p:grpSpPr>
+        <a:xfrm>
+          <a:off x="0" y="0"/>
+          <a:ext cx="0" cy="0"/>
+          <a:chOff x="0" y="0"/>
+          <a:chExt cx="0" cy="0"/>
+        </a:xfrm>
+      </p:grpSpPr>
+      <p:sp>
+        <p:nvSpPr>
+          <p:cNvPr id="2" name="Slide Image Placeholder 1"/>
+          <p:cNvSpPr>
+            <a:spLocks noGrp="1" noRot="1" noChangeAspect="1"/>
+          </p:cNvSpPr>
+          <p:nvPr>
+            <p:ph type="sldImg"/>
+          </p:nvPr>
+        </p:nvSpPr>
+        <p:spPr/>
+      </p:sp>
+      <p:sp>
+        <p:nvSpPr>
+          <p:cNvPr id="3" name="Notes Placeholder 2"/>
+          <p:cNvSpPr>
+            <a:spLocks noGrp="1"/>
+          </p:cNvSpPr>
+          <p:nvPr>
+            <p:ph type="body" idx="1"/>
+          </p:nvPr>
+        </p:nvSpPr>
+        <p:spPr/>
+        <p:txBody>
+          <a:bodyPr/>
+          <a:lstStyle/>
+          <a:p>
+            <a:r>
+              <a:rPr lang="en-US" dirty="0" smtClean="0"/>
+              <a:t>MS’01:   </a:t>
+            </a:r>
+            <a:r>
+              <a:rPr lang="en-US" dirty="0" err="1" smtClean="0"/>
+              <a:t>Mantin</a:t>
+            </a:r>
+            <a:r>
+              <a:rPr lang="en-US" dirty="0" smtClean="0"/>
+              <a:t>-Shamir</a:t>
+            </a:r>
+            <a:endParaRPr lang="en-US" dirty="0"/>
+          </a:p>
+        </p:txBody>
+      </p:sp>
+      <p:sp>
+        <p:nvSpPr>
+          <p:cNvPr id="4" name="Slide Number Placeholder 3"/>
+          <p:cNvSpPr>
+            <a:spLocks noGrp="1"/>
+          </p:cNvSpPr>
+          <p:nvPr>
+            <p:ph type="sldNum" sz="quarter" idx="10"/>
+          </p:nvPr>
+        </p:nvSpPr>
+        <p:spPr/>
+        <p:txBody>
+          <a:bodyPr/>
+          <a:lstStyle/>
+          <a:p>
+            <a:fld id="{8FF38DAD-5F37-4EA5-A798-26ED1E453939}" type="slidenum">
+              <a:rPr lang="en-US" smtClean="0"/>
+              <a:pPr/>
+              <a:t>35</a:t>
+            </a:fld>
+            <a:endParaRPr lang="en-US" dirty="0"/>
+          </a:p>
+        </p:txBody>
+      </p:sp>
+    </p:spTree>
+    <p:extLst>
+      <p:ext uri="{BB962C8B-B14F-4D97-AF65-F5344CB8AC3E}">
+        <p14:creationId xmlns:p14="http://schemas.microsoft.com/office/powerpoint/2010/main" val="2328240313"/>
       </p:ext>
     </p:extLst>
   </p:cSld>
@@ -24036,13 +24134,10 @@
               <a:t>The </a:t>
             </a:r>
             <a:r>
-              <a:rPr lang="en-US" altLang="zh-CN" dirty="0" err="1"/>
-              <a:t>Heartbleed</a:t>
-            </a:r>
-            <a:r>
-              <a:rPr lang="en-US" altLang="zh-CN" dirty="0"/>
-              <a:t> Bug</a:t>
-            </a:r>
+              <a:rPr lang="en-US" altLang="zh-CN" dirty="0" smtClean="0"/>
+              <a:t>SSL DROWN Attack</a:t>
+            </a:r>
+            <a:endParaRPr lang="en-US" altLang="zh-CN" dirty="0"/>
           </a:p>
         </p:txBody>
       </p:sp>
@@ -24181,43 +24276,26 @@
       </p:sp>
       <p:pic>
         <p:nvPicPr>
-          <p:cNvPr id="1026" name="Picture 2" descr="https://upload.wikimedia.org/wikipedia/commons/thumb/1/11/Simplified_Heartbleed_explanation.svg/1024px-Simplified_Heartbleed_explanation.svg.png"/>
+          <p:cNvPr id="3" name="图片 2"/>
           <p:cNvPicPr>
-            <a:picLocks noChangeAspect="1" noChangeArrowheads="1"/>
+            <a:picLocks noChangeAspect="1"/>
           </p:cNvPicPr>
           <p:nvPr/>
         </p:nvPicPr>
         <p:blipFill>
-          <a:blip r:embed="rId3">
-            <a:extLst>
-              <a:ext uri="{28A0092B-C50C-407E-A947-70E740481C1C}">
-                <a14:useLocalDpi xmlns:a14="http://schemas.microsoft.com/office/drawing/2010/main" val="0"/>
-              </a:ext>
-            </a:extLst>
-          </a:blip>
-          <a:srcRect/>
+          <a:blip r:embed="rId3"/>
           <a:stretch>
             <a:fillRect/>
           </a:stretch>
         </p:blipFill>
-        <p:spPr bwMode="auto">
+        <p:spPr>
           <a:xfrm>
-            <a:off x="2532841" y="740133"/>
-            <a:ext cx="5880639" cy="5880640"/>
+            <a:off x="2324100" y="847725"/>
+            <a:ext cx="7543800" cy="5162550"/>
           </a:xfrm>
           <a:prstGeom prst="rect">
             <a:avLst/>
           </a:prstGeom>
-          <a:noFill/>
-          <a:extLst>
-            <a:ext uri="{909E8E84-426E-40DD-AFC4-6F175D3DCCD1}">
-              <a14:hiddenFill xmlns:a14="http://schemas.microsoft.com/office/drawing/2010/main">
-                <a:solidFill>
-                  <a:srgbClr val="FFFFFF"/>
-                </a:solidFill>
-              </a14:hiddenFill>
-            </a:ext>
-          </a:extLst>
         </p:spPr>
       </p:pic>
     </p:spTree>
@@ -24242,6 +24320,235 @@
 </file>
 
 <file path=ppt/slides/slide35.xml><?xml version="1.0" encoding="utf-8"?>
+<p:sld xmlns:a="http://schemas.openxmlformats.org/drawingml/2006/main" xmlns:r="http://schemas.openxmlformats.org/officeDocument/2006/relationships" xmlns:p="http://schemas.openxmlformats.org/presentationml/2006/main" show="0">
+  <p:cSld>
+    <p:spTree>
+      <p:nvGrpSpPr>
+        <p:cNvPr id="1" name=""/>
+        <p:cNvGrpSpPr/>
+        <p:nvPr/>
+      </p:nvGrpSpPr>
+      <p:grpSpPr>
+        <a:xfrm>
+          <a:off x="0" y="0"/>
+          <a:ext cx="0" cy="0"/>
+          <a:chOff x="0" y="0"/>
+          <a:chExt cx="0" cy="0"/>
+        </a:xfrm>
+      </p:grpSpPr>
+      <p:sp>
+        <p:nvSpPr>
+          <p:cNvPr id="2" name="Title 1"/>
+          <p:cNvSpPr>
+            <a:spLocks noGrp="1"/>
+          </p:cNvSpPr>
+          <p:nvPr>
+            <p:ph type="title"/>
+          </p:nvPr>
+        </p:nvSpPr>
+        <p:spPr>
+          <a:xfrm>
+            <a:off x="609600" y="-228600"/>
+            <a:ext cx="11480800" cy="1143000"/>
+          </a:xfrm>
+        </p:spPr>
+        <p:txBody>
+          <a:bodyPr>
+            <a:normAutofit/>
+          </a:bodyPr>
+          <a:lstStyle/>
+          <a:p>
+            <a:r>
+              <a:rPr lang="en-US" altLang="zh-CN" dirty="0"/>
+              <a:t>The </a:t>
+            </a:r>
+            <a:r>
+              <a:rPr lang="en-US" altLang="zh-CN" dirty="0" smtClean="0"/>
+              <a:t>SSL DROWN Attack</a:t>
+            </a:r>
+            <a:endParaRPr lang="en-US" altLang="zh-CN" dirty="0"/>
+          </a:p>
+        </p:txBody>
+      </p:sp>
+      <p:sp>
+        <p:nvSpPr>
+          <p:cNvPr id="11" name="标题 1"/>
+          <p:cNvSpPr txBox="1">
+            <a:spLocks/>
+          </p:cNvSpPr>
+          <p:nvPr/>
+        </p:nvSpPr>
+        <p:spPr>
+          <a:xfrm>
+            <a:off x="0" y="6383547"/>
+            <a:ext cx="10274060" cy="474453"/>
+          </a:xfrm>
+          <a:prstGeom prst="rect">
+            <a:avLst/>
+          </a:prstGeom>
+          <a:solidFill>
+            <a:schemeClr val="accent5">
+              <a:lumMod val="60000"/>
+              <a:lumOff val="40000"/>
+            </a:schemeClr>
+          </a:solidFill>
+          <a:ln>
+            <a:solidFill>
+              <a:schemeClr val="accent1"/>
+            </a:solidFill>
+          </a:ln>
+        </p:spPr>
+        <p:txBody>
+          <a:bodyPr vert="horz" lIns="91440" tIns="45720" rIns="91440" bIns="45720" rtlCol="0" anchor="ctr">
+            <a:noAutofit/>
+          </a:bodyPr>
+          <a:lstStyle>
+            <a:lvl1pPr algn="l" defTabSz="914400" rtl="0" eaLnBrk="1" latinLnBrk="0" hangingPunct="1">
+              <a:lnSpc>
+                <a:spcPct val="90000"/>
+              </a:lnSpc>
+              <a:spcBef>
+                <a:spcPct val="0"/>
+              </a:spcBef>
+              <a:buNone/>
+              <a:defRPr sz="4400" kern="1200">
+                <a:solidFill>
+                  <a:schemeClr val="tx1"/>
+                </a:solidFill>
+                <a:latin typeface="+mj-lt"/>
+                <a:ea typeface="+mj-ea"/>
+                <a:cs typeface="+mj-cs"/>
+              </a:defRPr>
+            </a:lvl1pPr>
+          </a:lstStyle>
+          <a:p>
+            <a:r>
+              <a:rPr lang="en-US" altLang="zh-CN" sz="2400" b="1" dirty="0"/>
+              <a:t>HTTPS: goals and pitfalls</a:t>
+            </a:r>
+          </a:p>
+        </p:txBody>
+      </p:sp>
+      <p:sp>
+        <p:nvSpPr>
+          <p:cNvPr id="12" name="标题 1"/>
+          <p:cNvSpPr txBox="1">
+            <a:spLocks/>
+          </p:cNvSpPr>
+          <p:nvPr/>
+        </p:nvSpPr>
+        <p:spPr>
+          <a:xfrm>
+            <a:off x="10274060" y="6383547"/>
+            <a:ext cx="1917940" cy="474453"/>
+          </a:xfrm>
+          <a:prstGeom prst="rect">
+            <a:avLst/>
+          </a:prstGeom>
+          <a:noFill/>
+          <a:ln>
+            <a:solidFill>
+              <a:schemeClr val="accent1"/>
+            </a:solidFill>
+          </a:ln>
+        </p:spPr>
+        <p:txBody>
+          <a:bodyPr vert="horz" lIns="91440" tIns="45720" rIns="91440" bIns="45720" rtlCol="0" anchor="ctr">
+            <a:noAutofit/>
+          </a:bodyPr>
+          <a:lstStyle>
+            <a:lvl1pPr algn="l" defTabSz="914400" rtl="0" eaLnBrk="1" latinLnBrk="0" hangingPunct="1">
+              <a:lnSpc>
+                <a:spcPct val="90000"/>
+              </a:lnSpc>
+              <a:spcBef>
+                <a:spcPct val="0"/>
+              </a:spcBef>
+              <a:buNone/>
+              <a:defRPr sz="4400" kern="1200">
+                <a:solidFill>
+                  <a:schemeClr val="tx1"/>
+                </a:solidFill>
+                <a:latin typeface="+mj-lt"/>
+                <a:ea typeface="+mj-ea"/>
+                <a:cs typeface="+mj-cs"/>
+              </a:defRPr>
+            </a:lvl1pPr>
+          </a:lstStyle>
+          <a:p>
+            <a:endParaRPr lang="en-US" altLang="zh-CN" sz="2400" b="1" dirty="0"/>
+          </a:p>
+        </p:txBody>
+      </p:sp>
+      <p:sp>
+        <p:nvSpPr>
+          <p:cNvPr id="5" name="灯片编号占位符 4"/>
+          <p:cNvSpPr>
+            <a:spLocks noGrp="1"/>
+          </p:cNvSpPr>
+          <p:nvPr>
+            <p:ph type="sldNum" sz="quarter" idx="12"/>
+          </p:nvPr>
+        </p:nvSpPr>
+        <p:spPr/>
+        <p:txBody>
+          <a:bodyPr/>
+          <a:lstStyle/>
+          <a:p>
+            <a:fld id="{1FF18F41-E0A9-4F72-861C-BE4AABE77BA0}" type="slidenum">
+              <a:rPr lang="zh-CN" altLang="en-US" smtClean="0"/>
+              <a:t>35</a:t>
+            </a:fld>
+            <a:endParaRPr lang="zh-CN" altLang="en-US"/>
+          </a:p>
+        </p:txBody>
+      </p:sp>
+      <p:pic>
+        <p:nvPicPr>
+          <p:cNvPr id="4" name="图片 3"/>
+          <p:cNvPicPr>
+            <a:picLocks noChangeAspect="1"/>
+          </p:cNvPicPr>
+          <p:nvPr/>
+        </p:nvPicPr>
+        <p:blipFill>
+          <a:blip r:embed="rId3"/>
+          <a:stretch>
+            <a:fillRect/>
+          </a:stretch>
+        </p:blipFill>
+        <p:spPr>
+          <a:xfrm>
+            <a:off x="1513037" y="1255053"/>
+            <a:ext cx="8992650" cy="4369370"/>
+          </a:xfrm>
+          <a:prstGeom prst="rect">
+            <a:avLst/>
+          </a:prstGeom>
+        </p:spPr>
+      </p:pic>
+    </p:spTree>
+    <p:extLst>
+      <p:ext uri="{BB962C8B-B14F-4D97-AF65-F5344CB8AC3E}">
+        <p14:creationId xmlns:p14="http://schemas.microsoft.com/office/powerpoint/2010/main" val="2243516347"/>
+      </p:ext>
+    </p:extLst>
+  </p:cSld>
+  <p:clrMapOvr>
+    <a:masterClrMapping/>
+  </p:clrMapOvr>
+  <p:transition/>
+  <p:timing>
+    <p:tnLst>
+      <p:par>
+        <p:cTn id="1" dur="indefinite" restart="never" nodeType="tmRoot"/>
+      </p:par>
+    </p:tnLst>
+  </p:timing>
+</p:sld>
+</file>
+
+<file path=ppt/slides/slide36.xml><?xml version="1.0" encoding="utf-8"?>
 <p:sld xmlns:a="http://schemas.openxmlformats.org/drawingml/2006/main" xmlns:r="http://schemas.openxmlformats.org/officeDocument/2006/relationships" xmlns:p="http://schemas.openxmlformats.org/presentationml/2006/main">
   <p:cSld>
     <p:spTree>
@@ -24302,7 +24609,7 @@
           <a:p>
             <a:fld id="{1FF18F41-E0A9-4F72-861C-BE4AABE77BA0}" type="slidenum">
               <a:rPr lang="zh-CN" altLang="en-US" smtClean="0"/>
-              <a:t>35</a:t>
+              <a:t>36</a:t>
             </a:fld>
             <a:endParaRPr lang="zh-CN" altLang="en-US"/>
           </a:p>
